--- a/Notes/01_3_FirstProgram.pptx
+++ b/Notes/01_3_FirstProgram.pptx
@@ -216,7 +216,7 @@
           <a:p>
             <a:fld id="{1558EF9E-F90D-3644-932C-1F90C8EF183B}" type="datetimeFigureOut">
               <a:rPr kumimoji="1" lang="ko-KR" altLang="en-US" smtClean="0"/>
-              <a:t>2025. 2. 12.</a:t>
+              <a:t>2025. 2. 20.</a:t>
             </a:fld>
             <a:endParaRPr kumimoji="1" lang="ko-KR" altLang="en-US"/>
           </a:p>
@@ -976,117 +976,6 @@
                 <a:cs typeface="Times New Roman" charset="0"/>
               </a:rPr>
               <a:t>. </a:t>
-            </a:r>
-          </a:p>
-          <a:p>
-            <a:pPr algn="just" latinLnBrk="1">
-              <a:spcAft>
-                <a:spcPts val="0"/>
-              </a:spcAft>
-            </a:pPr>
-            <a:endParaRPr lang="en-US" altLang="ko-KR" sz="1200" kern="100" dirty="0">
-              <a:effectLst/>
-              <a:latin typeface="맑은 고딕" charset="-127"/>
-              <a:ea typeface="맑은 고딕" charset="-127"/>
-              <a:cs typeface="Times New Roman" charset="0"/>
-            </a:endParaRPr>
-          </a:p>
-          <a:p>
-            <a:pPr algn="just" latinLnBrk="1">
-              <a:spcAft>
-                <a:spcPts val="0"/>
-              </a:spcAft>
-            </a:pPr>
-            <a:r>
-              <a:rPr lang="en" altLang="ko-KR" sz="1200" kern="100" dirty="0">
-                <a:effectLst/>
-                <a:latin typeface="맑은 고딕" charset="-127"/>
-                <a:ea typeface="맑은 고딕" charset="-127"/>
-                <a:cs typeface="Times New Roman" charset="0"/>
-              </a:rPr>
-              <a:t>The Viewport is the area that is actually drawn on the screen. </a:t>
-            </a:r>
-          </a:p>
-          <a:p>
-            <a:pPr algn="just" latinLnBrk="1">
-              <a:spcAft>
-                <a:spcPts val="0"/>
-              </a:spcAft>
-            </a:pPr>
-            <a:r>
-              <a:rPr lang="en" altLang="ko-KR" sz="1200" kern="100" dirty="0">
-                <a:effectLst/>
-                <a:latin typeface="맑은 고딕" charset="-127"/>
-                <a:ea typeface="맑은 고딕" charset="-127"/>
-                <a:cs typeface="Times New Roman" charset="0"/>
-              </a:rPr>
-              <a:t>It defines the coordinates of the left and bottom corners of the area that will actually be drawn within the already defined drawing window, as well as the width and height of the area. </a:t>
-            </a:r>
-          </a:p>
-          <a:p>
-            <a:pPr algn="just" latinLnBrk="1">
-              <a:spcAft>
-                <a:spcPts val="0"/>
-              </a:spcAft>
-            </a:pPr>
-            <a:r>
-              <a:rPr lang="en" altLang="ko-KR" sz="1200" kern="100" dirty="0">
-                <a:effectLst/>
-                <a:latin typeface="맑은 고딕" charset="-127"/>
-                <a:ea typeface="맑은 고딕" charset="-127"/>
-                <a:cs typeface="Times New Roman" charset="0"/>
-              </a:rPr>
-              <a:t>If you call </a:t>
-            </a:r>
-            <a:r>
-              <a:rPr lang="en" altLang="ko-KR" sz="1200" kern="100" dirty="0" err="1">
-                <a:effectLst/>
-                <a:latin typeface="맑은 고딕" charset="-127"/>
-                <a:ea typeface="맑은 고딕" charset="-127"/>
-                <a:cs typeface="Times New Roman" charset="0"/>
-              </a:rPr>
-              <a:t>glViewPort</a:t>
-            </a:r>
-            <a:r>
-              <a:rPr lang="en" altLang="ko-KR" sz="1200" kern="100" dirty="0">
-                <a:effectLst/>
-                <a:latin typeface="맑은 고딕" charset="-127"/>
-                <a:ea typeface="맑은 고딕" charset="-127"/>
-                <a:cs typeface="Times New Roman" charset="0"/>
-              </a:rPr>
-              <a:t>(0, 0, width, height), the area to be drawn will be the entire window. </a:t>
-            </a:r>
-          </a:p>
-          <a:p>
-            <a:pPr algn="just" latinLnBrk="1">
-              <a:spcAft>
-                <a:spcPts val="0"/>
-              </a:spcAft>
-            </a:pPr>
-            <a:r>
-              <a:rPr lang="en" altLang="ko-KR" sz="1200" kern="100" dirty="0">
-                <a:effectLst/>
-                <a:latin typeface="맑은 고딕" charset="-127"/>
-                <a:ea typeface="맑은 고딕" charset="-127"/>
-                <a:cs typeface="Times New Roman" charset="0"/>
-              </a:rPr>
-              <a:t>This is also the default viewport. </a:t>
-            </a:r>
-          </a:p>
-          <a:p>
-            <a:pPr algn="just" latinLnBrk="1">
-              <a:spcAft>
-                <a:spcPts val="0"/>
-              </a:spcAft>
-            </a:pPr>
-            <a:r>
-              <a:rPr lang="en" altLang="ko-KR" sz="1200" kern="100" dirty="0">
-                <a:effectLst/>
-                <a:latin typeface="맑은 고딕" charset="-127"/>
-                <a:ea typeface="맑은 고딕" charset="-127"/>
-                <a:cs typeface="Times New Roman" charset="0"/>
-              </a:rPr>
-              <a:t>You can also do something like the second example and draw only a quarter of the window. </a:t>
             </a:r>
           </a:p>
         </p:txBody>
@@ -4805,8 +4694,12 @@
           <a:p>
             <a:pPr lvl="1"/>
             <a:r>
+              <a:rPr lang="en-US" altLang="ko-KR" sz="2000" dirty="0" err="1"/>
+              <a:t>gl.viewport’s</a:t>
+            </a:r>
+            <a:r>
               <a:rPr lang="en-US" altLang="ko-KR" sz="2000" dirty="0"/>
-              <a:t>Parameters: Lower-left-x, Lower-left-y, width, height</a:t>
+              <a:t> Parameters: Lower-left-x, Lower-left-y, width, height</a:t>
             </a:r>
           </a:p>
           <a:p>
@@ -8597,18 +8490,38 @@
               <a:t>canvas</a:t>
             </a:r>
             <a:r>
-              <a:rPr lang="ko-KR" altLang="en-US" dirty="0" err="1"/>
-              <a:t>에</a:t>
-            </a:r>
-            <a:r>
               <a:rPr lang="ko-KR" altLang="en-US" dirty="0"/>
-              <a:t> 맞추어 다시 </a:t>
+              <a:t>에 맞추어 다시 </a:t>
             </a:r>
             <a:r>
               <a:rPr lang="en-US" altLang="ko-KR" dirty="0">
                 <a:ea typeface="Tahoma" panose="020B0604030504040204" pitchFamily="34" charset="0"/>
               </a:rPr>
-              <a:t>setting</a:t>
+              <a:t>setting (</a:t>
+            </a:r>
+            <a:r>
+              <a:rPr lang="ko-KR" altLang="en-US" dirty="0">
+                <a:ea typeface="Tahoma" panose="020B0604030504040204" pitchFamily="34" charset="0"/>
+              </a:rPr>
+              <a:t>전체 </a:t>
+            </a:r>
+            <a:r>
+              <a:rPr lang="en-US" altLang="ko-KR" dirty="0">
+                <a:ea typeface="Tahoma" panose="020B0604030504040204" pitchFamily="34" charset="0"/>
+              </a:rPr>
+              <a:t>canvas</a:t>
+            </a:r>
+            <a:r>
+              <a:rPr lang="ko-KR" altLang="en-US" dirty="0">
+                <a:ea typeface="Tahoma" panose="020B0604030504040204" pitchFamily="34" charset="0"/>
+              </a:rPr>
+              <a:t>로</a:t>
+            </a:r>
+            <a:r>
+              <a:rPr lang="en-US" altLang="ko-KR" dirty="0">
+                <a:ea typeface="Tahoma" panose="020B0604030504040204" pitchFamily="34" charset="0"/>
+              </a:rPr>
+              <a:t>)</a:t>
             </a:r>
           </a:p>
           <a:p>
